--- a/Documents/Bluetooth Control Poster.pptx
+++ b/Documents/Bluetooth Control Poster.pptx
@@ -3504,15 +3504,7 @@
                   <a:srgbClr val="3333FF"/>
                 </a:solidFill>
               </a:rPr>
-              <a:t>: </a:t>
-            </a:r>
-            <a:r>
-              <a:rPr lang="en-US" sz="1200" b="1" dirty="0" smtClean="0">
-                <a:solidFill>
-                  <a:srgbClr val="3333FF"/>
-                </a:solidFill>
-              </a:rPr>
-              <a:t>Don </a:t>
+              <a:t>: Don </a:t>
             </a:r>
             <a:r>
               <a:rPr lang="en-US" sz="1200" b="1" dirty="0" err="1" smtClean="0">
@@ -3723,7 +3715,13 @@
               <a:rPr lang="en-US" sz="1000" b="1" dirty="0" smtClean="0">
                 <a:latin typeface="Times New Roman" pitchFamily="18" charset="0"/>
               </a:rPr>
-              <a:t> low energy and different profiles.</a:t>
+              <a:t> low energy and different profiles</a:t>
+            </a:r>
+            <a:r>
+              <a:rPr lang="en-US" sz="1000" b="1" dirty="0" smtClean="0">
+                <a:latin typeface="Times New Roman" pitchFamily="18" charset="0"/>
+              </a:rPr>
+              <a:t>.</a:t>
             </a:r>
           </a:p>
           <a:p>
@@ -3736,10 +3734,56 @@
               <a:rPr lang="en-US" sz="1000" b="1" dirty="0" smtClean="0">
                 <a:latin typeface="Times New Roman" pitchFamily="18" charset="0"/>
               </a:rPr>
-              <a:t>Later we will fill in more material here.</a:t>
-            </a:r>
-          </a:p>
-          <a:p>
+              <a:t>For the </a:t>
+            </a:r>
+            <a:r>
+              <a:rPr lang="en-US" sz="1000" b="1" dirty="0" err="1" smtClean="0">
+                <a:latin typeface="Times New Roman" pitchFamily="18" charset="0"/>
+              </a:rPr>
+              <a:t>plugin</a:t>
+            </a:r>
+            <a:r>
+              <a:rPr lang="en-US" sz="1000" b="1" dirty="0" smtClean="0">
+                <a:latin typeface="Times New Roman" pitchFamily="18" charset="0"/>
+              </a:rPr>
+              <a:t> framework, we made each </a:t>
+            </a:r>
+            <a:r>
+              <a:rPr lang="en-US" sz="1000" b="1" dirty="0" err="1" smtClean="0">
+                <a:latin typeface="Times New Roman" pitchFamily="18" charset="0"/>
+              </a:rPr>
+              <a:t>plugin</a:t>
+            </a:r>
+            <a:r>
+              <a:rPr lang="en-US" sz="1000" b="1" dirty="0" smtClean="0">
+                <a:latin typeface="Times New Roman" pitchFamily="18" charset="0"/>
+              </a:rPr>
+              <a:t> into an .</a:t>
+            </a:r>
+            <a:r>
+              <a:rPr lang="en-US" sz="1000" b="1" dirty="0" err="1" smtClean="0">
+                <a:latin typeface="Times New Roman" pitchFamily="18" charset="0"/>
+              </a:rPr>
+              <a:t>apk</a:t>
+            </a:r>
+            <a:r>
+              <a:rPr lang="en-US" sz="1000" b="1" dirty="0" smtClean="0">
+                <a:latin typeface="Times New Roman" pitchFamily="18" charset="0"/>
+              </a:rPr>
+              <a:t> file which can be downloaded from the website.  The main app can figure out which </a:t>
+            </a:r>
+            <a:r>
+              <a:rPr lang="en-US" sz="1000" b="1" dirty="0" err="1" smtClean="0">
+                <a:latin typeface="Times New Roman" pitchFamily="18" charset="0"/>
+              </a:rPr>
+              <a:t>plugins</a:t>
+            </a:r>
+            <a:r>
+              <a:rPr lang="en-US" sz="1000" b="1" dirty="0" smtClean="0">
+                <a:latin typeface="Times New Roman" pitchFamily="18" charset="0"/>
+              </a:rPr>
+              <a:t> are installed, and launch any of them.</a:t>
+            </a:r>
             <a:endParaRPr lang="en-US" sz="1000" b="1" dirty="0" smtClean="0">
               <a:latin typeface="Times New Roman" pitchFamily="18" charset="0"/>
             </a:endParaRPr>
@@ -3750,16 +3794,18 @@
             </a:endParaRPr>
           </a:p>
           <a:p>
-            <a:endParaRPr lang="en-US" sz="1000" b="1" dirty="0" smtClean="0">
-              <a:latin typeface="Times New Roman" pitchFamily="18" charset="0"/>
-            </a:endParaRPr>
-          </a:p>
-          <a:p>
-            <a:endParaRPr lang="en-US" sz="1000" b="1" dirty="0" smtClean="0">
-              <a:latin typeface="Times New Roman" pitchFamily="18" charset="0"/>
-            </a:endParaRPr>
-          </a:p>
-          <a:p>
+            <a:r>
+              <a:rPr lang="en-US" sz="1000" b="1" dirty="0" smtClean="0">
+                <a:latin typeface="Times New Roman" pitchFamily="18" charset="0"/>
+              </a:rPr>
+              <a:t>Later we will fill in more material here</a:t>
+            </a:r>
+            <a:r>
+              <a:rPr lang="en-US" sz="1000" b="1" dirty="0" smtClean="0">
+                <a:latin typeface="Times New Roman" pitchFamily="18" charset="0"/>
+              </a:rPr>
+              <a:t>.</a:t>
+            </a:r>
             <a:endParaRPr lang="en-US" sz="1000" b="1" dirty="0">
               <a:latin typeface="Times New Roman" pitchFamily="18" charset="0"/>
             </a:endParaRPr>
@@ -4192,7 +4238,7 @@
         <p:spPr bwMode="auto">
           <a:xfrm>
             <a:off x="3124200" y="3429000"/>
-            <a:ext cx="2438400" cy="793750"/>
+            <a:ext cx="2438400" cy="261610"/>
           </a:xfrm>
           <a:prstGeom prst="rect">
             <a:avLst/>
@@ -4221,9 +4267,22 @@
               </a:spcBef>
             </a:pPr>
             <a:r>
-              <a:rPr lang="en-US" sz="1100" b="1" dirty="0"/>
-              <a:t>Photos of project equipment, the process in operation, people conducting the process, the methods used, etc.</a:t>
-            </a:r>
+              <a:rPr lang="en-US" sz="1100" b="1" dirty="0" smtClean="0"/>
+              <a:t>TODO:  Tablet + </a:t>
+            </a:r>
+            <a:r>
+              <a:rPr lang="en-US" sz="1100" b="1" dirty="0" err="1" smtClean="0"/>
+              <a:t>Arduino</a:t>
+            </a:r>
+            <a:r>
+              <a:rPr lang="en-US" sz="1100" b="1" dirty="0" smtClean="0"/>
+              <a:t> </a:t>
+            </a:r>
+            <a:r>
+              <a:rPr lang="en-US" sz="1100" b="1" dirty="0" err="1" smtClean="0"/>
+              <a:t>pic</a:t>
+            </a:r>
+            <a:endParaRPr lang="en-US" sz="1100" b="1" dirty="0"/>
           </a:p>
         </p:txBody>
       </p:sp>
@@ -4290,74 +4349,6 @@
               </a:spcBef>
             </a:pPr>
             <a:endParaRPr lang="en-US" sz="1200" b="1"/>
-          </a:p>
-        </p:txBody>
-      </p:sp>
-      <p:sp>
-        <p:nvSpPr>
-          <p:cNvPr id="2066" name="Text Box 27"/>
-          <p:cNvSpPr txBox="1">
-            <a:spLocks noChangeArrowheads="1"/>
-          </p:cNvSpPr>
-          <p:nvPr/>
-        </p:nvSpPr>
-        <p:spPr bwMode="auto">
-          <a:xfrm>
-            <a:off x="3124200" y="4267200"/>
-            <a:ext cx="2438400" cy="1108075"/>
-          </a:xfrm>
-          <a:prstGeom prst="rect">
-            <a:avLst/>
-          </a:prstGeom>
-          <a:solidFill>
-            <a:schemeClr val="bg1"/>
-          </a:solidFill>
-          <a:ln w="28575">
-            <a:solidFill>
-              <a:srgbClr val="FF9900"/>
-            </a:solidFill>
-            <a:miter lim="800000"/>
-            <a:headEnd/>
-            <a:tailEnd/>
-          </a:ln>
-        </p:spPr>
-        <p:txBody>
-          <a:bodyPr>
-            <a:spAutoFit/>
-          </a:bodyPr>
-          <a:lstStyle/>
-          <a:p>
-            <a:pPr algn="ctr">
-              <a:spcBef>
-                <a:spcPct val="50000"/>
-              </a:spcBef>
-            </a:pPr>
-            <a:r>
-              <a:rPr lang="en-US" sz="1200" b="1" dirty="0"/>
-              <a:t>Graphs, charts, imagery showing results</a:t>
-            </a:r>
-            <a:br>
-              <a:rPr lang="en-US" sz="1200" b="1" dirty="0"/>
-            </a:br>
-            <a:r>
-              <a:rPr lang="en-US" sz="1200" b="1" dirty="0"/>
-              <a:t>Block Diagram?</a:t>
-            </a:r>
-            <a:br>
-              <a:rPr lang="en-US" sz="1200" b="1" dirty="0"/>
-            </a:br>
-            <a:r>
-              <a:rPr lang="en-US" sz="1200" b="1" dirty="0"/>
-              <a:t>Gantt Chart?</a:t>
-            </a:r>
-          </a:p>
-          <a:p>
-            <a:pPr algn="ctr">
-              <a:spcBef>
-                <a:spcPct val="50000"/>
-              </a:spcBef>
-            </a:pPr>
-            <a:endParaRPr lang="en-US" sz="1200" b="1" dirty="0"/>
           </a:p>
         </p:txBody>
       </p:sp>

--- a/Documents/Bluetooth Control Poster.pptx
+++ b/Documents/Bluetooth Control Poster.pptx
@@ -3715,13 +3715,7 @@
               <a:rPr lang="en-US" sz="1000" b="1" dirty="0" smtClean="0">
                 <a:latin typeface="Times New Roman" pitchFamily="18" charset="0"/>
               </a:rPr>
-              <a:t> low energy and different profiles</a:t>
-            </a:r>
-            <a:r>
-              <a:rPr lang="en-US" sz="1000" b="1" dirty="0" smtClean="0">
-                <a:latin typeface="Times New Roman" pitchFamily="18" charset="0"/>
-              </a:rPr>
-              <a:t>.</a:t>
+              <a:t> low energy and different profiles.</a:t>
             </a:r>
           </a:p>
           <a:p>
@@ -3784,27 +3778,18 @@
               </a:rPr>
               <a:t> are installed, and launch any of them.</a:t>
             </a:r>
+          </a:p>
+          <a:p>
             <a:endParaRPr lang="en-US" sz="1000" b="1" dirty="0" smtClean="0">
               <a:latin typeface="Times New Roman" pitchFamily="18" charset="0"/>
             </a:endParaRPr>
           </a:p>
           <a:p>
-            <a:endParaRPr lang="en-US" sz="1000" b="1" dirty="0" smtClean="0">
-              <a:latin typeface="Times New Roman" pitchFamily="18" charset="0"/>
-            </a:endParaRPr>
-          </a:p>
-          <a:p>
             <a:r>
               <a:rPr lang="en-US" sz="1000" b="1" dirty="0" smtClean="0">
                 <a:latin typeface="Times New Roman" pitchFamily="18" charset="0"/>
               </a:rPr>
-              <a:t>Later we will fill in more material here</a:t>
-            </a:r>
-            <a:r>
-              <a:rPr lang="en-US" sz="1000" b="1" dirty="0" smtClean="0">
-                <a:latin typeface="Times New Roman" pitchFamily="18" charset="0"/>
-              </a:rPr>
-              <a:t>.</a:t>
+              <a:t>Later we will fill in more material here.</a:t>
             </a:r>
             <a:endParaRPr lang="en-US" sz="1000" b="1" dirty="0">
               <a:latin typeface="Times New Roman" pitchFamily="18" charset="0"/>
@@ -4224,65 +4209,6 @@
               <a:rPr lang="en-US" sz="1200" b="1"/>
               <a:t>Conclusions</a:t>
             </a:r>
-          </a:p>
-        </p:txBody>
-      </p:sp>
-      <p:sp>
-        <p:nvSpPr>
-          <p:cNvPr id="2064" name="Text Box 23"/>
-          <p:cNvSpPr txBox="1">
-            <a:spLocks noChangeArrowheads="1"/>
-          </p:cNvSpPr>
-          <p:nvPr/>
-        </p:nvSpPr>
-        <p:spPr bwMode="auto">
-          <a:xfrm>
-            <a:off x="3124200" y="3429000"/>
-            <a:ext cx="2438400" cy="261610"/>
-          </a:xfrm>
-          <a:prstGeom prst="rect">
-            <a:avLst/>
-          </a:prstGeom>
-          <a:solidFill>
-            <a:schemeClr val="bg1"/>
-          </a:solidFill>
-          <a:ln w="28575">
-            <a:solidFill>
-              <a:srgbClr val="FF9900"/>
-            </a:solidFill>
-            <a:miter lim="800000"/>
-            <a:headEnd/>
-            <a:tailEnd/>
-          </a:ln>
-        </p:spPr>
-        <p:txBody>
-          <a:bodyPr>
-            <a:spAutoFit/>
-          </a:bodyPr>
-          <a:lstStyle/>
-          <a:p>
-            <a:pPr algn="ctr">
-              <a:spcBef>
-                <a:spcPct val="50000"/>
-              </a:spcBef>
-            </a:pPr>
-            <a:r>
-              <a:rPr lang="en-US" sz="1100" b="1" dirty="0" smtClean="0"/>
-              <a:t>TODO:  Tablet + </a:t>
-            </a:r>
-            <a:r>
-              <a:rPr lang="en-US" sz="1100" b="1" dirty="0" err="1" smtClean="0"/>
-              <a:t>Arduino</a:t>
-            </a:r>
-            <a:r>
-              <a:rPr lang="en-US" sz="1100" b="1" dirty="0" smtClean="0"/>
-              <a:t> </a:t>
-            </a:r>
-            <a:r>
-              <a:rPr lang="en-US" sz="1100" b="1" dirty="0" err="1" smtClean="0"/>
-              <a:t>pic</a:t>
-            </a:r>
-            <a:endParaRPr lang="en-US" sz="1100" b="1" dirty="0"/>
           </a:p>
         </p:txBody>
       </p:sp>
@@ -4713,6 +4639,30 @@
             <a:avLst/>
           </a:prstGeom>
           <a:noFill/>
+        </p:spPr>
+      </p:pic>
+      <p:pic>
+        <p:nvPicPr>
+          <p:cNvPr id="25" name="Picture 24" descr="IMG_20150313_143441.jpg"/>
+          <p:cNvPicPr>
+            <a:picLocks noChangeAspect="1"/>
+          </p:cNvPicPr>
+          <p:nvPr/>
+        </p:nvPicPr>
+        <p:blipFill>
+          <a:blip r:embed="rId4" cstate="print"/>
+          <a:stretch>
+            <a:fillRect/>
+          </a:stretch>
+        </p:blipFill>
+        <p:spPr>
+          <a:xfrm>
+            <a:off x="3581400" y="3352800"/>
+            <a:ext cx="1562100" cy="2082800"/>
+          </a:xfrm>
+          <a:prstGeom prst="rect">
+            <a:avLst/>
+          </a:prstGeom>
         </p:spPr>
       </p:pic>
     </p:spTree>
